--- a/测试PPT.pptx
+++ b/测试PPT.pptx
@@ -3811,39 +3811,6 @@
           <a:chExt cx="0" cy="0"/>
         </a:xfrm>
       </p:grpSpPr>
-      <p:pic>
-        <p:nvPicPr>
-          <p:cNvPr id="19" name="图片 18">
-            <a:extLst>
-              <a:ext uri="{FF2B5EF4-FFF2-40B4-BE49-F238E27FC236}">
-                <a16:creationId xmlns:a16="http://schemas.microsoft.com/office/drawing/2014/main" id="{A853E001-EB4E-4796-B6A0-666EEC9ECFE5}"/>
-              </a:ext>
-            </a:extLst>
-          </p:cNvPr>
-          <p:cNvPicPr>
-            <a:picLocks noChangeAspect="1"/>
-          </p:cNvPicPr>
-          <p:nvPr/>
-        </p:nvPicPr>
-        <p:blipFill>
-          <a:blip r:embed="rId2"/>
-          <a:stretch>
-            <a:fillRect/>
-          </a:stretch>
-        </p:blipFill>
-        <p:spPr>
-          <a:xfrm>
-            <a:off x="0" y="0"/>
-            <a:ext cx="12192000" cy="6858000"/>
-          </a:xfrm>
-          <a:prstGeom prst="rect">
-            <a:avLst/>
-          </a:prstGeom>
-          <a:solidFill>
-            <a:srgbClr val="3333B3"/>
-          </a:solidFill>
-        </p:spPr>
-      </p:pic>
       <p:sp>
         <p:nvSpPr>
           <p:cNvPr id="5" name="矩形 4">
@@ -4384,39 +4351,6 @@
           <a:chExt cx="0" cy="0"/>
         </a:xfrm>
       </p:grpSpPr>
-      <p:pic>
-        <p:nvPicPr>
-          <p:cNvPr id="12" name="图片 11">
-            <a:extLst>
-              <a:ext uri="{FF2B5EF4-FFF2-40B4-BE49-F238E27FC236}">
-                <a16:creationId xmlns:a16="http://schemas.microsoft.com/office/drawing/2014/main" id="{315D4AA6-3394-4F8A-A5B6-F1F418102F98}"/>
-              </a:ext>
-            </a:extLst>
-          </p:cNvPr>
-          <p:cNvPicPr>
-            <a:picLocks noChangeAspect="1"/>
-          </p:cNvPicPr>
-          <p:nvPr/>
-        </p:nvPicPr>
-        <p:blipFill>
-          <a:blip r:embed="rId2"/>
-          <a:stretch>
-            <a:fillRect/>
-          </a:stretch>
-        </p:blipFill>
-        <p:spPr>
-          <a:xfrm>
-            <a:off x="0" y="0"/>
-            <a:ext cx="12192000" cy="6858000"/>
-          </a:xfrm>
-          <a:prstGeom prst="rect">
-            <a:avLst/>
-          </a:prstGeom>
-          <a:solidFill>
-            <a:srgbClr val="3333B3"/>
-          </a:solidFill>
-        </p:spPr>
-      </p:pic>
       <p:sp>
         <p:nvSpPr>
           <p:cNvPr id="4" name="矩形 3">
@@ -5523,39 +5457,6 @@
           <a:chExt cx="0" cy="0"/>
         </a:xfrm>
       </p:grpSpPr>
-      <p:pic>
-        <p:nvPicPr>
-          <p:cNvPr id="51" name="图片 50">
-            <a:extLst>
-              <a:ext uri="{FF2B5EF4-FFF2-40B4-BE49-F238E27FC236}">
-                <a16:creationId xmlns:a16="http://schemas.microsoft.com/office/drawing/2014/main" id="{2E14A6A4-DC44-4E49-B532-146A33194596}"/>
-              </a:ext>
-            </a:extLst>
-          </p:cNvPr>
-          <p:cNvPicPr>
-            <a:picLocks noChangeAspect="1"/>
-          </p:cNvPicPr>
-          <p:nvPr/>
-        </p:nvPicPr>
-        <p:blipFill>
-          <a:blip r:embed="rId4"/>
-          <a:stretch>
-            <a:fillRect/>
-          </a:stretch>
-        </p:blipFill>
-        <p:spPr>
-          <a:xfrm>
-            <a:off x="0" y="0"/>
-            <a:ext cx="12192000" cy="6858000"/>
-          </a:xfrm>
-          <a:prstGeom prst="rect">
-            <a:avLst/>
-          </a:prstGeom>
-          <a:solidFill>
-            <a:srgbClr val="3333B3"/>
-          </a:solidFill>
-        </p:spPr>
-      </p:pic>
       <p:sp>
         <p:nvSpPr>
           <p:cNvPr id="4" name="文本框 3">
@@ -6961,36 +6862,6 @@
           <a:chExt cx="0" cy="0"/>
         </a:xfrm>
       </p:grpSpPr>
-      <p:pic>
-        <p:nvPicPr>
-          <p:cNvPr id="25" name="图片 24">
-            <a:extLst>
-              <a:ext uri="{FF2B5EF4-FFF2-40B4-BE49-F238E27FC236}">
-                <a16:creationId xmlns:a16="http://schemas.microsoft.com/office/drawing/2014/main" id="{266DBAC8-3A85-4A75-A2F0-8E68E4CAC6C7}"/>
-              </a:ext>
-            </a:extLst>
-          </p:cNvPr>
-          <p:cNvPicPr>
-            <a:picLocks noChangeAspect="1"/>
-          </p:cNvPicPr>
-          <p:nvPr/>
-        </p:nvPicPr>
-        <p:blipFill>
-          <a:blip r:embed="rId4"/>
-          <a:stretch>
-            <a:fillRect/>
-          </a:stretch>
-        </p:blipFill>
-        <p:spPr>
-          <a:xfrm>
-            <a:off x="0" y="0"/>
-            <a:ext cx="12192000" cy="6858000"/>
-          </a:xfrm>
-          <a:prstGeom prst="rect">
-            <a:avLst/>
-          </a:prstGeom>
-        </p:spPr>
-      </p:pic>
       <p:sp>
         <p:nvSpPr>
           <p:cNvPr id="9" name="文本框 8">
@@ -7572,36 +7443,6 @@
           <a:chExt cx="0" cy="0"/>
         </a:xfrm>
       </p:grpSpPr>
-      <p:pic>
-        <p:nvPicPr>
-          <p:cNvPr id="9" name="图片 8">
-            <a:extLst>
-              <a:ext uri="{FF2B5EF4-FFF2-40B4-BE49-F238E27FC236}">
-                <a16:creationId xmlns:a16="http://schemas.microsoft.com/office/drawing/2014/main" id="{A743DB10-60DD-41F5-948B-3C687B67DF58}"/>
-              </a:ext>
-            </a:extLst>
-          </p:cNvPr>
-          <p:cNvPicPr>
-            <a:picLocks noChangeAspect="1"/>
-          </p:cNvPicPr>
-          <p:nvPr/>
-        </p:nvPicPr>
-        <p:blipFill>
-          <a:blip r:embed="rId3"/>
-          <a:stretch>
-            <a:fillRect/>
-          </a:stretch>
-        </p:blipFill>
-        <p:spPr>
-          <a:xfrm>
-            <a:off x="0" y="1042"/>
-            <a:ext cx="12192000" cy="6855916"/>
-          </a:xfrm>
-          <a:prstGeom prst="rect">
-            <a:avLst/>
-          </a:prstGeom>
-        </p:spPr>
-      </p:pic>
       <p:sp>
         <p:nvSpPr>
           <p:cNvPr id="4" name="矩形 3">
@@ -8876,36 +8717,6 @@
           <a:chExt cx="0" cy="0"/>
         </a:xfrm>
       </p:grpSpPr>
-      <p:pic>
-        <p:nvPicPr>
-          <p:cNvPr id="18" name="图片 17">
-            <a:extLst>
-              <a:ext uri="{FF2B5EF4-FFF2-40B4-BE49-F238E27FC236}">
-                <a16:creationId xmlns:a16="http://schemas.microsoft.com/office/drawing/2014/main" id="{A67CD9A6-1B9E-47CD-9416-3A8470C5DFB6}"/>
-              </a:ext>
-            </a:extLst>
-          </p:cNvPr>
-          <p:cNvPicPr>
-            <a:picLocks noChangeAspect="1"/>
-          </p:cNvPicPr>
-          <p:nvPr/>
-        </p:nvPicPr>
-        <p:blipFill>
-          <a:blip r:embed="rId2"/>
-          <a:stretch>
-            <a:fillRect/>
-          </a:stretch>
-        </p:blipFill>
-        <p:spPr>
-          <a:xfrm>
-            <a:off x="0" y="0"/>
-            <a:ext cx="12192000" cy="6858000"/>
-          </a:xfrm>
-          <a:prstGeom prst="rect">
-            <a:avLst/>
-          </a:prstGeom>
-        </p:spPr>
-      </p:pic>
       <p:sp>
         <p:nvSpPr>
           <p:cNvPr id="4" name="矩形 3">
@@ -9852,39 +9663,6 @@
           <a:chExt cx="0" cy="0"/>
         </a:xfrm>
       </p:grpSpPr>
-      <p:pic>
-        <p:nvPicPr>
-          <p:cNvPr id="17" name="图片 16">
-            <a:extLst>
-              <a:ext uri="{FF2B5EF4-FFF2-40B4-BE49-F238E27FC236}">
-                <a16:creationId xmlns:a16="http://schemas.microsoft.com/office/drawing/2014/main" id="{A4F983CD-82E0-432B-A898-C59D1CF66F68}"/>
-              </a:ext>
-            </a:extLst>
-          </p:cNvPr>
-          <p:cNvPicPr>
-            <a:picLocks noChangeAspect="1"/>
-          </p:cNvPicPr>
-          <p:nvPr/>
-        </p:nvPicPr>
-        <p:blipFill>
-          <a:blip r:embed="rId2"/>
-          <a:stretch>
-            <a:fillRect/>
-          </a:stretch>
-        </p:blipFill>
-        <p:spPr>
-          <a:xfrm>
-            <a:off x="0" y="0"/>
-            <a:ext cx="12192000" cy="6858000"/>
-          </a:xfrm>
-          <a:prstGeom prst="rect">
-            <a:avLst/>
-          </a:prstGeom>
-          <a:solidFill>
-            <a:srgbClr val="3333B3"/>
-          </a:solidFill>
-        </p:spPr>
-      </p:pic>
       <p:sp>
         <p:nvSpPr>
           <p:cNvPr id="5" name="矩形 4">
@@ -10658,39 +10436,6 @@
       </p:grpSpPr>
       <p:pic>
         <p:nvPicPr>
-          <p:cNvPr id="11" name="图片 10">
-            <a:extLst>
-              <a:ext uri="{FF2B5EF4-FFF2-40B4-BE49-F238E27FC236}">
-                <a16:creationId xmlns:a16="http://schemas.microsoft.com/office/drawing/2014/main" id="{9555A6C9-4B63-4A32-9131-B5D9C9C3B089}"/>
-              </a:ext>
-            </a:extLst>
-          </p:cNvPr>
-          <p:cNvPicPr>
-            <a:picLocks noChangeAspect="1"/>
-          </p:cNvPicPr>
-          <p:nvPr/>
-        </p:nvPicPr>
-        <p:blipFill>
-          <a:blip r:embed="rId2"/>
-          <a:stretch>
-            <a:fillRect/>
-          </a:stretch>
-        </p:blipFill>
-        <p:spPr>
-          <a:xfrm>
-            <a:off x="0" y="0"/>
-            <a:ext cx="12192000" cy="6858000"/>
-          </a:xfrm>
-          <a:prstGeom prst="rect">
-            <a:avLst/>
-          </a:prstGeom>
-          <a:solidFill>
-            <a:srgbClr val="3333B3"/>
-          </a:solidFill>
-        </p:spPr>
-      </p:pic>
-      <p:pic>
-        <p:nvPicPr>
           <p:cNvPr id="8" name="Picture 2">
             <a:extLst>
               <a:ext uri="{FF2B5EF4-FFF2-40B4-BE49-F238E27FC236}">
@@ -10704,7 +10449,7 @@
           <p:nvPr/>
         </p:nvPicPr>
         <p:blipFill>
-          <a:blip r:embed="rId3">
+          <a:blip r:embed="rId2">
             <a:extLst>
               <a:ext uri="{28A0092B-C50C-407E-A947-70E740481C1C}">
                 <a14:useLocalDpi xmlns:a14="http://schemas.microsoft.com/office/drawing/2010/main" val="0"/>
@@ -11674,36 +11419,6 @@
           <a:chExt cx="0" cy="0"/>
         </a:xfrm>
       </p:grpSpPr>
-      <p:pic>
-        <p:nvPicPr>
-          <p:cNvPr id="11" name="图片 10">
-            <a:extLst>
-              <a:ext uri="{FF2B5EF4-FFF2-40B4-BE49-F238E27FC236}">
-                <a16:creationId xmlns:a16="http://schemas.microsoft.com/office/drawing/2014/main" id="{A83B3009-68CB-4B5F-9A53-5E925FF5DC6B}"/>
-              </a:ext>
-            </a:extLst>
-          </p:cNvPr>
-          <p:cNvPicPr>
-            <a:picLocks noChangeAspect="1"/>
-          </p:cNvPicPr>
-          <p:nvPr/>
-        </p:nvPicPr>
-        <p:blipFill>
-          <a:blip r:embed="rId2"/>
-          <a:stretch>
-            <a:fillRect/>
-          </a:stretch>
-        </p:blipFill>
-        <p:spPr>
-          <a:xfrm>
-            <a:off x="0" y="0"/>
-            <a:ext cx="12192000" cy="6858000"/>
-          </a:xfrm>
-          <a:prstGeom prst="rect">
-            <a:avLst/>
-          </a:prstGeom>
-        </p:spPr>
-      </p:pic>
       <p:sp>
         <p:nvSpPr>
           <p:cNvPr id="4" name="矩形 3">
